--- a/Врачи.pptx
+++ b/Врачи.pptx
@@ -139,7 +139,7 @@
   </p:defaultTextStyle>
   <p:extLst>
     <p:ext uri="{EFAFB233-063F-42B5-8137-9DF3F51BA10A}">
-      <p15:sldGuideLst xmlns:p15="http://schemas.microsoft.com/office/powerpoint/2012/main">
+      <p15:sldGuideLst xmlns:p15="http://schemas.microsoft.com/office/powerpoint/2012/main" xmlns="">
         <p15:guide id="1" orient="horz" pos="2160" userDrawn="1">
           <p15:clr>
             <a:srgbClr val="A4A3A4"/>
@@ -153,7 +153,7 @@
       </p15:sldGuideLst>
     </p:ext>
     <p:ext uri="{2D200454-40CA-4A62-9FC3-DE9A4176ACB9}">
-      <p15:notesGuideLst xmlns:p15="http://schemas.microsoft.com/office/powerpoint/2012/main"/>
+      <p15:notesGuideLst xmlns:p15="http://schemas.microsoft.com/office/powerpoint/2012/main" xmlns=""/>
     </p:ext>
   </p:extLst>
 </p:presentation>
@@ -242,7 +242,7 @@
             <a:fld id="{79464950-B5F1-4629-8A47-D06D350AD499}" type="datetimeFigureOut">
               <a:rPr lang="ru-RU" smtClean="0"/>
               <a:pPr/>
-              <a:t>16.12.2024</a:t>
+              <a:t>17.12.2024</a:t>
             </a:fld>
             <a:endParaRPr lang="ru-RU"/>
           </a:p>
@@ -11026,12 +11026,12 @@
         </p:spPr>
         <p:txBody>
           <a:bodyPr anchor="ctr">
-            <a:normAutofit fontScale="90000"/>
+            <a:normAutofit/>
           </a:bodyPr>
           <a:lstStyle/>
           <a:p>
             <a:r>
-              <a:rPr lang="ru-RU" sz="3200" spc="-1" dirty="0">
+              <a:rPr lang="ru-RU" sz="3200" spc="-1" dirty="0" smtClean="0">
                 <a:solidFill>
                   <a:schemeClr val="accent5">
                     <a:lumMod val="75000"/>
@@ -11039,7 +11039,18 @@
                 </a:solidFill>
                 <a:latin typeface="Arial Black"/>
               </a:rPr>
-              <a:t>Математическая модель. Алгоритм составления расписания.</a:t>
+              <a:t>Алгоритм </a:t>
+            </a:r>
+            <a:r>
+              <a:rPr lang="ru-RU" sz="3200" spc="-1" dirty="0">
+                <a:solidFill>
+                  <a:schemeClr val="accent5">
+                    <a:lumMod val="75000"/>
+                  </a:schemeClr>
+                </a:solidFill>
+                <a:latin typeface="Arial Black"/>
+              </a:rPr>
+              <a:t>составления расписания.</a:t>
             </a:r>
             <a:endParaRPr lang="ru-RU" sz="3200" b="0" strike="noStrike" spc="-1" dirty="0">
               <a:solidFill>
@@ -11382,12 +11393,12 @@
         </p:spPr>
         <p:txBody>
           <a:bodyPr anchor="ctr">
-            <a:normAutofit fontScale="90000"/>
+            <a:normAutofit/>
           </a:bodyPr>
           <a:lstStyle/>
           <a:p>
             <a:r>
-              <a:rPr lang="ru-RU" sz="3200" spc="-1" dirty="0">
+              <a:rPr lang="ru-RU" sz="3200" spc="-1" dirty="0" smtClean="0">
                 <a:solidFill>
                   <a:schemeClr val="accent5">
                     <a:lumMod val="75000"/>
@@ -11395,7 +11406,18 @@
                 </a:solidFill>
                 <a:latin typeface="Arial Black"/>
               </a:rPr>
-              <a:t>Математическая модель. Алгоритм составления расписания.</a:t>
+              <a:t>Алгоритм </a:t>
+            </a:r>
+            <a:r>
+              <a:rPr lang="ru-RU" sz="3200" spc="-1" dirty="0">
+                <a:solidFill>
+                  <a:schemeClr val="accent5">
+                    <a:lumMod val="75000"/>
+                  </a:schemeClr>
+                </a:solidFill>
+                <a:latin typeface="Arial Black"/>
+              </a:rPr>
+              <a:t>составления расписания.</a:t>
             </a:r>
             <a:endParaRPr lang="ru-RU" sz="3200" b="0" strike="noStrike" spc="-1" dirty="0">
               <a:solidFill>
@@ -11810,8 +11832,8 @@
         </p:nvSpPr>
         <p:spPr>
           <a:xfrm>
-            <a:off x="515095" y="333127"/>
-            <a:ext cx="6913316" cy="1294200"/>
+            <a:off x="0" y="0"/>
+            <a:ext cx="6785361" cy="1205227"/>
           </a:xfrm>
           <a:prstGeom prst="rect">
             <a:avLst/>
@@ -11823,12 +11845,12 @@
         </p:spPr>
         <p:txBody>
           <a:bodyPr anchor="ctr">
-            <a:normAutofit fontScale="90000"/>
+            <a:normAutofit/>
           </a:bodyPr>
           <a:lstStyle/>
           <a:p>
             <a:r>
-              <a:rPr lang="ru-RU" sz="3200" spc="-1" dirty="0">
+              <a:rPr lang="ru-RU" sz="3200" spc="-1" dirty="0" smtClean="0">
                 <a:solidFill>
                   <a:schemeClr val="accent5">
                     <a:lumMod val="75000"/>
@@ -11836,10 +11858,10 @@
                 </a:solidFill>
                 <a:latin typeface="Arial Black"/>
               </a:rPr>
-              <a:t>Математическая модель. Жадный </a:t>
-            </a:r>
-            <a:r>
-              <a:rPr lang="ru-RU" sz="3200" spc="-1" dirty="0" err="1">
+              <a:t>Жадный </a:t>
+            </a:r>
+            <a:r>
+              <a:rPr lang="ru-RU" sz="3200" spc="-1" dirty="0">
                 <a:solidFill>
                   <a:schemeClr val="accent5">
                     <a:lumMod val="75000"/>
@@ -11847,10 +11869,10 @@
                 </a:solidFill>
                 <a:latin typeface="Arial Black"/>
               </a:rPr>
-              <a:t>алгоритм.Блок</a:t>
-            </a:r>
-            <a:r>
-              <a:rPr lang="ru-RU" sz="3200" spc="-1" dirty="0">
+              <a:t>алгоритм</a:t>
+            </a:r>
+            <a:r>
+              <a:rPr lang="ru-RU" sz="3200" spc="-1" dirty="0" smtClean="0">
                 <a:solidFill>
                   <a:schemeClr val="accent5">
                     <a:lumMod val="75000"/>
@@ -11858,7 +11880,18 @@
                 </a:solidFill>
                 <a:latin typeface="Arial Black"/>
               </a:rPr>
-              <a:t>-схема алгоритма</a:t>
+              <a:t>. Блок-схема </a:t>
+            </a:r>
+            <a:r>
+              <a:rPr lang="ru-RU" sz="3200" spc="-1" dirty="0">
+                <a:solidFill>
+                  <a:schemeClr val="accent5">
+                    <a:lumMod val="75000"/>
+                  </a:schemeClr>
+                </a:solidFill>
+                <a:latin typeface="Arial Black"/>
+              </a:rPr>
+              <a:t>алгоритма</a:t>
             </a:r>
             <a:endParaRPr lang="ru-RU" sz="3200" b="0" strike="noStrike" spc="-1" dirty="0">
               <a:solidFill>
@@ -11892,7 +11925,7 @@
         </p:blipFill>
         <p:spPr bwMode="auto">
           <a:xfrm>
-            <a:off x="2934036" y="1205227"/>
+            <a:off x="2968218" y="1205227"/>
             <a:ext cx="5708257" cy="5652773"/>
           </a:xfrm>
           <a:prstGeom prst="rect">
@@ -12156,6 +12189,10 @@
               <a:rPr lang="ru-RU" dirty="0"/>
               <a:t>Получение предсказаний по исследованиям на месяц</a:t>
             </a:r>
+            <a:r>
+              <a:rPr lang="en-US" dirty="0"/>
+              <a:t/>
+            </a:r>
             <a:br>
               <a:rPr lang="en-US" dirty="0"/>
             </a:br>
@@ -12320,6 +12357,10 @@
             <a:r>
               <a:rPr lang="ru-RU" dirty="0"/>
               <a:t>Получение предсказаний по исследованиям на месяц</a:t>
+            </a:r>
+            <a:r>
+              <a:rPr lang="en-US" dirty="0"/>
+              <a:t/>
             </a:r>
             <a:br>
               <a:rPr lang="en-US" dirty="0"/>
@@ -13083,7 +13124,7 @@
           <p:cNvPr id="3" name="Picture 2">
             <a:extLst>
               <a:ext uri="{FF2B5EF4-FFF2-40B4-BE49-F238E27FC236}">
-                <a16:creationId xmlns:a16="http://schemas.microsoft.com/office/drawing/2014/main" id="{F1DAB899-0592-9AAF-BB50-507DC95E3453}"/>
+                <a16:creationId xmlns:a16="http://schemas.microsoft.com/office/drawing/2014/main" xmlns="" id="{F1DAB899-0592-9AAF-BB50-507DC95E3453}"/>
               </a:ext>
             </a:extLst>
           </p:cNvPr>
@@ -13925,7 +13966,7 @@
           <a:lstStyle/>
           <a:p>
             <a:r>
-              <a:rPr lang="ru-RU" sz="3200" spc="-1" dirty="0">
+              <a:rPr lang="ru-RU" sz="3200" spc="-1" dirty="0" smtClean="0">
                 <a:solidFill>
                   <a:schemeClr val="accent5">
                     <a:lumMod val="75000"/>
@@ -13933,7 +13974,7 @@
                 </a:solidFill>
                 <a:latin typeface="Arial Black"/>
               </a:rPr>
-              <a:t>Математическая модель. Алгоритм </a:t>
+              <a:t>Алгоритм </a:t>
             </a:r>
             <a:r>
               <a:rPr lang="en-US" sz="3200" spc="-1" dirty="0">
@@ -14443,7 +14484,7 @@
           <a:lstStyle/>
           <a:p>
             <a:r>
-              <a:rPr lang="ru-RU" sz="3200" spc="-1" dirty="0">
+              <a:rPr lang="ru-RU" sz="3200" spc="-1" dirty="0" smtClean="0">
                 <a:solidFill>
                   <a:schemeClr val="accent5">
                     <a:lumMod val="75000"/>
@@ -14451,7 +14492,7 @@
                 </a:solidFill>
                 <a:latin typeface="Arial Black"/>
               </a:rPr>
-              <a:t>Математическая модель. Алгоритм </a:t>
+              <a:t>Алгоритм </a:t>
             </a:r>
             <a:r>
               <a:rPr lang="en-US" sz="3200" spc="-1" dirty="0">
@@ -14973,7 +15014,7 @@
           <a:lstStyle/>
           <a:p>
             <a:r>
-              <a:rPr lang="ru-RU" sz="3200" spc="-1" dirty="0">
+              <a:rPr lang="ru-RU" sz="3200" spc="-1" dirty="0" smtClean="0">
                 <a:solidFill>
                   <a:schemeClr val="accent5">
                     <a:lumMod val="75000"/>
@@ -14981,7 +15022,7 @@
                 </a:solidFill>
                 <a:latin typeface="Arial Black"/>
               </a:rPr>
-              <a:t>Математическая модель. Алгоритм </a:t>
+              <a:t>Алгоритм </a:t>
             </a:r>
             <a:r>
               <a:rPr lang="en-US" sz="3200" spc="-1" dirty="0">
@@ -16638,22 +16679,19 @@
   <a:extraClrSchemeLst/>
   <a:extLst>
     <a:ext uri="{05A4C25C-085E-4340-85A3-A5531E510DB2}">
-      <thm15:themeFamily xmlns:thm15="http://schemas.microsoft.com/office/thememl/2012/main" name="Office Theme" id="{62F939B6-93AF-4DB8-9C6B-D6C7DFDC589F}" vid="{4A3C46E8-61CC-4603-A589-7422A47A8E4A}"/>
+      <thm15:themeFamily xmlns:thm15="http://schemas.microsoft.com/office/thememl/2012/main" xmlns="" name="Office Theme" id="{62F939B6-93AF-4DB8-9C6B-D6C7DFDC589F}" vid="{4A3C46E8-61CC-4603-A589-7422A47A8E4A}"/>
     </a:ext>
   </a:extLst>
 </a:theme>
 </file>
 
 <file path=customXml/item1.xml><?xml version="1.0" encoding="utf-8"?>
-<p:properties xmlns:p="http://schemas.microsoft.com/office/2006/metadata/properties" xmlns:xsi="http://www.w3.org/2001/XMLSchema-instance" xmlns:pc="http://schemas.microsoft.com/office/infopath/2007/PartnerControls">
-  <documentManagement>
-    <ReferenceId xmlns="fc78ffe2-6ca9-48cd-8338-4d884cf1fd15" xsi:nil="true"/>
-    <TaxCatchAll xmlns="8110952f-db7b-4716-b1f4-15f065799f1b" xsi:nil="true"/>
-    <lcf76f155ced4ddcb4097134ff3c332f xmlns="fc78ffe2-6ca9-48cd-8338-4d884cf1fd15">
-      <Terms xmlns="http://schemas.microsoft.com/office/infopath/2007/PartnerControls"/>
-    </lcf76f155ced4ddcb4097134ff3c332f>
-  </documentManagement>
-</p:properties>
+<?mso-contentType ?>
+<FormTemplates xmlns="http://schemas.microsoft.com/sharepoint/v3/contenttype/forms">
+  <Display>DocumentLibraryForm</Display>
+  <Edit>DocumentLibraryForm</Edit>
+  <New>DocumentLibraryForm</New>
+</FormTemplates>
 </file>
 
 <file path=customXml/item2.xml><?xml version="1.0" encoding="utf-8"?>
@@ -16870,21 +16908,21 @@
 </file>
 
 <file path=customXml/item3.xml><?xml version="1.0" encoding="utf-8"?>
-<?mso-contentType ?>
-<FormTemplates xmlns="http://schemas.microsoft.com/sharepoint/v3/contenttype/forms">
-  <Display>DocumentLibraryForm</Display>
-  <Edit>DocumentLibraryForm</Edit>
-  <New>DocumentLibraryForm</New>
-</FormTemplates>
+<p:properties xmlns:p="http://schemas.microsoft.com/office/2006/metadata/properties" xmlns:xsi="http://www.w3.org/2001/XMLSchema-instance" xmlns:pc="http://schemas.microsoft.com/office/infopath/2007/PartnerControls">
+  <documentManagement>
+    <ReferenceId xmlns="fc78ffe2-6ca9-48cd-8338-4d884cf1fd15" xsi:nil="true"/>
+    <TaxCatchAll xmlns="8110952f-db7b-4716-b1f4-15f065799f1b" xsi:nil="true"/>
+    <lcf76f155ced4ddcb4097134ff3c332f xmlns="fc78ffe2-6ca9-48cd-8338-4d884cf1fd15">
+      <Terms xmlns="http://schemas.microsoft.com/office/infopath/2007/PartnerControls"/>
+    </lcf76f155ced4ddcb4097134ff3c332f>
+  </documentManagement>
+</p:properties>
 </file>
 
 <file path=customXml/itemProps1.xml><?xml version="1.0" encoding="utf-8"?>
-<ds:datastoreItem xmlns:ds="http://schemas.openxmlformats.org/officeDocument/2006/customXml" ds:itemID="{00B0E6F5-04E6-4EF4-8A37-FBE9977D13B1}">
+<ds:datastoreItem xmlns:ds="http://schemas.openxmlformats.org/officeDocument/2006/customXml" ds:itemID="{2583E72E-3016-4B9C-97A5-A277F6A494E1}">
   <ds:schemaRefs>
-    <ds:schemaRef ds:uri="http://schemas.microsoft.com/office/2006/metadata/properties"/>
-    <ds:schemaRef ds:uri="http://schemas.microsoft.com/office/infopath/2007/PartnerControls"/>
-    <ds:schemaRef ds:uri="fc78ffe2-6ca9-48cd-8338-4d884cf1fd15"/>
-    <ds:schemaRef ds:uri="8110952f-db7b-4716-b1f4-15f065799f1b"/>
+    <ds:schemaRef ds:uri="http://schemas.microsoft.com/sharepoint/v3/contenttype/forms"/>
   </ds:schemaRefs>
 </ds:datastoreItem>
 </file>
@@ -16909,9 +16947,12 @@
 </file>
 
 <file path=customXml/itemProps3.xml><?xml version="1.0" encoding="utf-8"?>
-<ds:datastoreItem xmlns:ds="http://schemas.openxmlformats.org/officeDocument/2006/customXml" ds:itemID="{2583E72E-3016-4B9C-97A5-A277F6A494E1}">
+<ds:datastoreItem xmlns:ds="http://schemas.openxmlformats.org/officeDocument/2006/customXml" ds:itemID="{00B0E6F5-04E6-4EF4-8A37-FBE9977D13B1}">
   <ds:schemaRefs>
-    <ds:schemaRef ds:uri="http://schemas.microsoft.com/sharepoint/v3/contenttype/forms"/>
+    <ds:schemaRef ds:uri="http://schemas.microsoft.com/office/2006/metadata/properties"/>
+    <ds:schemaRef ds:uri="http://schemas.microsoft.com/office/infopath/2007/PartnerControls"/>
+    <ds:schemaRef ds:uri="fc78ffe2-6ca9-48cd-8338-4d884cf1fd15"/>
+    <ds:schemaRef ds:uri="8110952f-db7b-4716-b1f4-15f065799f1b"/>
   </ds:schemaRefs>
 </ds:datastoreItem>
 </file>